--- a/SujetsApplicationsPedagogiques/Trame_Transversal.pptx
+++ b/SujetsApplicationsPedagogiques/Trame_Transversal.pptx
@@ -5,10 +5,10 @@
     <p:sldMasterId id="2147483660" r:id="rId1"/>
   </p:sldMasterIdLst>
   <p:notesMasterIdLst>
-    <p:notesMasterId r:id="rId18"/>
+    <p:notesMasterId r:id="rId22"/>
   </p:notesMasterIdLst>
   <p:handoutMasterIdLst>
-    <p:handoutMasterId r:id="rId19"/>
+    <p:handoutMasterId r:id="rId23"/>
   </p:handoutMasterIdLst>
   <p:sldIdLst>
     <p:sldId id="256" r:id="rId2"/>
@@ -26,7 +26,11 @@
     <p:sldId id="268" r:id="rId14"/>
     <p:sldId id="270" r:id="rId15"/>
     <p:sldId id="271" r:id="rId16"/>
-    <p:sldId id="272" r:id="rId17"/>
+    <p:sldId id="274" r:id="rId17"/>
+    <p:sldId id="272" r:id="rId18"/>
+    <p:sldId id="273" r:id="rId19"/>
+    <p:sldId id="275" r:id="rId20"/>
+    <p:sldId id="276" r:id="rId21"/>
   </p:sldIdLst>
   <p:sldSz cx="12192000" cy="6858000"/>
   <p:notesSz cx="6858000" cy="9144000"/>
@@ -11643,6 +11647,53 @@
           </a:p>
         </p:txBody>
       </p:sp>
+      <p:sp>
+        <p:nvSpPr>
+          <p:cNvPr id="35" name="Rectangle 34">
+            <a:extLst>
+              <a:ext uri="{FF2B5EF4-FFF2-40B4-BE49-F238E27FC236}">
+                <a16:creationId xmlns:a16="http://schemas.microsoft.com/office/drawing/2014/main" id="{4F93F418-ABEC-C0B5-C375-03D84A005206}"/>
+              </a:ext>
+            </a:extLst>
+          </p:cNvPr>
+          <p:cNvSpPr/>
+          <p:nvPr/>
+        </p:nvSpPr>
+        <p:spPr>
+          <a:xfrm rot="2582632">
+            <a:off x="9297771" y="235849"/>
+            <a:ext cx="3780210" cy="1071103"/>
+          </a:xfrm>
+          <a:prstGeom prst="rect">
+            <a:avLst/>
+          </a:prstGeom>
+        </p:spPr>
+        <p:style>
+          <a:lnRef idx="3">
+            <a:schemeClr val="lt1"/>
+          </a:lnRef>
+          <a:fillRef idx="1">
+            <a:schemeClr val="accent2"/>
+          </a:fillRef>
+          <a:effectRef idx="1">
+            <a:schemeClr val="accent2"/>
+          </a:effectRef>
+          <a:fontRef idx="minor">
+            <a:schemeClr val="lt1"/>
+          </a:fontRef>
+        </p:style>
+        <p:txBody>
+          <a:bodyPr rtlCol="0" anchor="ctr"/>
+          <a:lstStyle/>
+          <a:p>
+            <a:pPr algn="ctr"/>
+            <a:r>
+              <a:rPr lang="fr-FR" dirty="0"/>
+              <a:t>Ajouter les compétences visées/savoir faire attendus par semaine</a:t>
+            </a:r>
+          </a:p>
+        </p:txBody>
+      </p:sp>
     </p:spTree>
     <p:extLst>
       <p:ext uri="{BB962C8B-B14F-4D97-AF65-F5344CB8AC3E}">
@@ -13108,6 +13159,215 @@
           <p:cNvPr id="2" name="Titre 1">
             <a:extLst>
               <a:ext uri="{FF2B5EF4-FFF2-40B4-BE49-F238E27FC236}">
+                <a16:creationId xmlns:a16="http://schemas.microsoft.com/office/drawing/2014/main" id="{A0854AFA-CECA-B8C2-2FFA-CEED0067E5BF}"/>
+              </a:ext>
+            </a:extLst>
+          </p:cNvPr>
+          <p:cNvSpPr>
+            <a:spLocks noGrp="1"/>
+          </p:cNvSpPr>
+          <p:nvPr>
+            <p:ph type="title"/>
+          </p:nvPr>
+        </p:nvSpPr>
+        <p:spPr/>
+        <p:txBody>
+          <a:bodyPr/>
+          <a:lstStyle/>
+          <a:p>
+            <a:r>
+              <a:rPr lang="fr-FR" dirty="0"/>
+              <a:t>Travail en ilot</a:t>
+            </a:r>
+          </a:p>
+        </p:txBody>
+      </p:sp>
+      <p:sp>
+        <p:nvSpPr>
+          <p:cNvPr id="3" name="Espace réservé du contenu 2">
+            <a:extLst>
+              <a:ext uri="{FF2B5EF4-FFF2-40B4-BE49-F238E27FC236}">
+                <a16:creationId xmlns:a16="http://schemas.microsoft.com/office/drawing/2014/main" id="{159F5CBA-058A-66CC-B999-5F02533BAC32}"/>
+              </a:ext>
+            </a:extLst>
+          </p:cNvPr>
+          <p:cNvSpPr>
+            <a:spLocks noGrp="1"/>
+          </p:cNvSpPr>
+          <p:nvPr>
+            <p:ph idx="1"/>
+          </p:nvPr>
+        </p:nvSpPr>
+        <p:spPr/>
+        <p:txBody>
+          <a:bodyPr>
+            <a:normAutofit/>
+          </a:bodyPr>
+          <a:lstStyle/>
+          <a:p>
+            <a:r>
+              <a:rPr lang="fr-FR" dirty="0"/>
+              <a:t>Analyser</a:t>
+            </a:r>
+          </a:p>
+          <a:p>
+            <a:pPr lvl="1"/>
+            <a:r>
+              <a:rPr lang="fr-FR" dirty="0"/>
+              <a:t>Analyser un système</a:t>
+            </a:r>
+          </a:p>
+          <a:p>
+            <a:r>
+              <a:rPr lang="fr-FR" dirty="0"/>
+              <a:t>Expérimenter</a:t>
+            </a:r>
+          </a:p>
+          <a:p>
+            <a:pPr lvl="1"/>
+            <a:r>
+              <a:rPr lang="fr-FR" dirty="0"/>
+              <a:t>S’approprier le fonctionnement d’un système</a:t>
+            </a:r>
+          </a:p>
+          <a:p>
+            <a:pPr lvl="1"/>
+            <a:r>
+              <a:rPr lang="fr-FR" dirty="0"/>
+              <a:t>Proposer et justifier un protocole expérimental. </a:t>
+            </a:r>
+          </a:p>
+          <a:p>
+            <a:pPr lvl="1"/>
+            <a:r>
+              <a:rPr lang="fr-FR" dirty="0"/>
+              <a:t>Mettre en œuvre un protocole expérimental. </a:t>
+            </a:r>
+          </a:p>
+          <a:p>
+            <a:r>
+              <a:rPr lang="fr-FR" dirty="0"/>
+              <a:t>Modéliser et Résoudre analytiquement</a:t>
+            </a:r>
+          </a:p>
+          <a:p>
+            <a:r>
+              <a:rPr lang="fr-FR" dirty="0"/>
+              <a:t>Modéliser et Résoudre numériquement</a:t>
+            </a:r>
+          </a:p>
+          <a:p>
+            <a:r>
+              <a:rPr lang="fr-FR" dirty="0"/>
+              <a:t>Concevoir</a:t>
+            </a:r>
+          </a:p>
+          <a:p>
+            <a:r>
+              <a:rPr lang="fr-FR" dirty="0"/>
+              <a:t>Communiquer et synthétiser</a:t>
+            </a:r>
+          </a:p>
+          <a:p>
+            <a:pPr marL="79375" indent="0">
+              <a:buNone/>
+            </a:pPr>
+            <a:endParaRPr lang="fr-FR" dirty="0"/>
+          </a:p>
+        </p:txBody>
+      </p:sp>
+      <p:sp>
+        <p:nvSpPr>
+          <p:cNvPr id="4" name="Espace réservé du pied de page 3">
+            <a:extLst>
+              <a:ext uri="{FF2B5EF4-FFF2-40B4-BE49-F238E27FC236}">
+                <a16:creationId xmlns:a16="http://schemas.microsoft.com/office/drawing/2014/main" id="{0E057E33-620E-4FC6-6905-9E24E68C5F6B}"/>
+              </a:ext>
+            </a:extLst>
+          </p:cNvPr>
+          <p:cNvSpPr>
+            <a:spLocks noGrp="1"/>
+          </p:cNvSpPr>
+          <p:nvPr>
+            <p:ph type="ftr" sz="quarter" idx="11"/>
+          </p:nvPr>
+        </p:nvSpPr>
+        <p:spPr/>
+        <p:txBody>
+          <a:bodyPr/>
+          <a:lstStyle/>
+          <a:p>
+            <a:r>
+              <a:rPr lang="fr-FR"/>
+              <a:t>Xavier Pessoles</a:t>
+            </a:r>
+          </a:p>
+        </p:txBody>
+      </p:sp>
+      <p:sp>
+        <p:nvSpPr>
+          <p:cNvPr id="5" name="Espace réservé du numéro de diapositive 4">
+            <a:extLst>
+              <a:ext uri="{FF2B5EF4-FFF2-40B4-BE49-F238E27FC236}">
+                <a16:creationId xmlns:a16="http://schemas.microsoft.com/office/drawing/2014/main" id="{D3E17D96-8578-5185-50E4-877E3634606A}"/>
+              </a:ext>
+            </a:extLst>
+          </p:cNvPr>
+          <p:cNvSpPr>
+            <a:spLocks noGrp="1"/>
+          </p:cNvSpPr>
+          <p:nvPr>
+            <p:ph type="sldNum" sz="quarter" idx="12"/>
+          </p:nvPr>
+        </p:nvSpPr>
+        <p:spPr/>
+        <p:txBody>
+          <a:bodyPr/>
+          <a:lstStyle/>
+          <a:p>
+            <a:fld id="{956FD943-6D90-4B00-A69F-9AB9CE3206A3}" type="slidenum">
+              <a:rPr lang="fr-FR" smtClean="0"/>
+              <a:t>16</a:t>
+            </a:fld>
+            <a:endParaRPr lang="fr-FR"/>
+          </a:p>
+        </p:txBody>
+      </p:sp>
+    </p:spTree>
+    <p:extLst>
+      <p:ext uri="{BB962C8B-B14F-4D97-AF65-F5344CB8AC3E}">
+        <p14:creationId xmlns:p14="http://schemas.microsoft.com/office/powerpoint/2010/main" val="2357903925"/>
+      </p:ext>
+    </p:extLst>
+  </p:cSld>
+  <p:clrMapOvr>
+    <a:masterClrMapping/>
+  </p:clrMapOvr>
+</p:sld>
+</file>
+
+<file path=ppt/slides/slide17.xml><?xml version="1.0" encoding="utf-8"?>
+<p:sld xmlns:a="http://schemas.openxmlformats.org/drawingml/2006/main" xmlns:r="http://schemas.openxmlformats.org/officeDocument/2006/relationships" xmlns:p="http://schemas.openxmlformats.org/presentationml/2006/main">
+  <p:cSld>
+    <p:spTree>
+      <p:nvGrpSpPr>
+        <p:cNvPr id="1" name=""/>
+        <p:cNvGrpSpPr/>
+        <p:nvPr/>
+      </p:nvGrpSpPr>
+      <p:grpSpPr>
+        <a:xfrm>
+          <a:off x="0" y="0"/>
+          <a:ext cx="0" cy="0"/>
+          <a:chOff x="0" y="0"/>
+          <a:chExt cx="0" cy="0"/>
+        </a:xfrm>
+      </p:grpSpPr>
+      <p:sp>
+        <p:nvSpPr>
+          <p:cNvPr id="2" name="Titre 1">
+            <a:extLst>
+              <a:ext uri="{FF2B5EF4-FFF2-40B4-BE49-F238E27FC236}">
                 <a16:creationId xmlns:a16="http://schemas.microsoft.com/office/drawing/2014/main" id="{5EB10802-CBE8-0A39-C2B0-FEFCD9B20B18}"/>
               </a:ext>
             </a:extLst>
@@ -13184,7 +13444,7 @@
           <a:p>
             <a:fld id="{956FD943-6D90-4B00-A69F-9AB9CE3206A3}" type="slidenum">
               <a:rPr lang="fr-FR" smtClean="0"/>
-              <a:t>16</a:t>
+              <a:t>17</a:t>
             </a:fld>
             <a:endParaRPr lang="fr-FR"/>
           </a:p>
@@ -13281,7 +13541,7 @@
             <a:pPr algn="ctr"/>
             <a:r>
               <a:rPr lang="fr-FR" dirty="0"/>
-              <a:t>20 min</a:t>
+              <a:t>15 min</a:t>
             </a:r>
           </a:p>
         </p:txBody>
@@ -13329,53 +13589,6 @@
             <a:r>
               <a:rPr lang="fr-FR" dirty="0"/>
               <a:t>Synthèse</a:t>
-            </a:r>
-          </a:p>
-        </p:txBody>
-      </p:sp>
-      <p:sp>
-        <p:nvSpPr>
-          <p:cNvPr id="17" name="Rectangle : coins arrondis 16">
-            <a:extLst>
-              <a:ext uri="{FF2B5EF4-FFF2-40B4-BE49-F238E27FC236}">
-                <a16:creationId xmlns:a16="http://schemas.microsoft.com/office/drawing/2014/main" id="{7DA641A3-C64A-969A-497A-01E04153FBCC}"/>
-              </a:ext>
-            </a:extLst>
-          </p:cNvPr>
-          <p:cNvSpPr/>
-          <p:nvPr/>
-        </p:nvSpPr>
-        <p:spPr>
-          <a:xfrm>
-            <a:off x="5534527" y="5376942"/>
-            <a:ext cx="3609474" cy="606392"/>
-          </a:xfrm>
-          <a:prstGeom prst="roundRect">
-            <a:avLst/>
-          </a:prstGeom>
-        </p:spPr>
-        <p:style>
-          <a:lnRef idx="2">
-            <a:schemeClr val="accent4"/>
-          </a:lnRef>
-          <a:fillRef idx="1">
-            <a:schemeClr val="lt1"/>
-          </a:fillRef>
-          <a:effectRef idx="0">
-            <a:schemeClr val="accent4"/>
-          </a:effectRef>
-          <a:fontRef idx="minor">
-            <a:schemeClr val="dk1"/>
-          </a:fontRef>
-        </p:style>
-        <p:txBody>
-          <a:bodyPr rtlCol="0" anchor="ctr"/>
-          <a:lstStyle/>
-          <a:p>
-            <a:pPr algn="ctr"/>
-            <a:r>
-              <a:rPr lang="fr-FR" dirty="0"/>
-              <a:t>Modélisation du système (numérique)</a:t>
             </a:r>
           </a:p>
         </p:txBody>
@@ -13954,7 +14167,7 @@
             <a:pPr algn="ctr"/>
             <a:r>
               <a:rPr lang="fr-FR" dirty="0"/>
-              <a:t>30 min</a:t>
+              <a:t>20 min</a:t>
             </a:r>
           </a:p>
         </p:txBody>
@@ -14003,7 +14216,7 @@
             <a:pPr algn="ctr"/>
             <a:r>
               <a:rPr lang="fr-FR" dirty="0"/>
-              <a:t>25 min</a:t>
+              <a:t>20 min</a:t>
             </a:r>
           </a:p>
         </p:txBody>
@@ -14052,7 +14265,7 @@
             <a:pPr algn="ctr"/>
             <a:r>
               <a:rPr lang="fr-FR" dirty="0"/>
-              <a:t>20 min</a:t>
+              <a:t>15 min</a:t>
             </a:r>
           </a:p>
         </p:txBody>
@@ -14101,7 +14314,340 @@
             <a:pPr algn="ctr"/>
             <a:r>
               <a:rPr lang="fr-FR" dirty="0"/>
-              <a:t>25 min</a:t>
+              <a:t>20 min</a:t>
+            </a:r>
+          </a:p>
+        </p:txBody>
+      </p:sp>
+      <p:sp>
+        <p:nvSpPr>
+          <p:cNvPr id="39" name="Rectangle : coins arrondis 38">
+            <a:extLst>
+              <a:ext uri="{FF2B5EF4-FFF2-40B4-BE49-F238E27FC236}">
+                <a16:creationId xmlns:a16="http://schemas.microsoft.com/office/drawing/2014/main" id="{7AC797EE-ADF5-7DDE-FC58-D2E6B181AC33}"/>
+              </a:ext>
+            </a:extLst>
+          </p:cNvPr>
+          <p:cNvSpPr/>
+          <p:nvPr/>
+        </p:nvSpPr>
+        <p:spPr>
+          <a:xfrm>
+            <a:off x="8262410" y="1193533"/>
+            <a:ext cx="3677728" cy="4129238"/>
+          </a:xfrm>
+          <a:prstGeom prst="roundRect">
+            <a:avLst>
+              <a:gd name="adj" fmla="val 5468"/>
+            </a:avLst>
+          </a:prstGeom>
+          <a:noFill/>
+        </p:spPr>
+        <p:style>
+          <a:lnRef idx="2">
+            <a:schemeClr val="accent1">
+              <a:shade val="50000"/>
+            </a:schemeClr>
+          </a:lnRef>
+          <a:fillRef idx="1">
+            <a:schemeClr val="accent1"/>
+          </a:fillRef>
+          <a:effectRef idx="0">
+            <a:schemeClr val="accent1"/>
+          </a:effectRef>
+          <a:fontRef idx="minor">
+            <a:schemeClr val="lt1"/>
+          </a:fontRef>
+        </p:style>
+        <p:txBody>
+          <a:bodyPr rtlCol="0" anchor="ctr"/>
+          <a:lstStyle/>
+          <a:p>
+            <a:pPr algn="ctr"/>
+            <a:endParaRPr lang="fr-FR"/>
+          </a:p>
+        </p:txBody>
+      </p:sp>
+      <p:sp>
+        <p:nvSpPr>
+          <p:cNvPr id="40" name="Éclair 39">
+            <a:extLst>
+              <a:ext uri="{FF2B5EF4-FFF2-40B4-BE49-F238E27FC236}">
+                <a16:creationId xmlns:a16="http://schemas.microsoft.com/office/drawing/2014/main" id="{3E537205-A5F4-16AD-6E90-551888B3E2C9}"/>
+              </a:ext>
+            </a:extLst>
+          </p:cNvPr>
+          <p:cNvSpPr/>
+          <p:nvPr/>
+        </p:nvSpPr>
+        <p:spPr>
+          <a:xfrm>
+            <a:off x="-575035" y="1954333"/>
+            <a:ext cx="914400" cy="965145"/>
+          </a:xfrm>
+          <a:prstGeom prst="lightningBolt">
+            <a:avLst/>
+          </a:prstGeom>
+        </p:spPr>
+        <p:style>
+          <a:lnRef idx="2">
+            <a:schemeClr val="accent1">
+              <a:shade val="50000"/>
+            </a:schemeClr>
+          </a:lnRef>
+          <a:fillRef idx="1">
+            <a:schemeClr val="accent1"/>
+          </a:fillRef>
+          <a:effectRef idx="0">
+            <a:schemeClr val="accent1"/>
+          </a:effectRef>
+          <a:fontRef idx="minor">
+            <a:schemeClr val="lt1"/>
+          </a:fontRef>
+        </p:style>
+        <p:txBody>
+          <a:bodyPr rtlCol="0" anchor="ctr"/>
+          <a:lstStyle/>
+          <a:p>
+            <a:pPr algn="ctr"/>
+            <a:endParaRPr lang="fr-FR"/>
+          </a:p>
+        </p:txBody>
+      </p:sp>
+      <p:sp>
+        <p:nvSpPr>
+          <p:cNvPr id="41" name="Éclair 40">
+            <a:extLst>
+              <a:ext uri="{FF2B5EF4-FFF2-40B4-BE49-F238E27FC236}">
+                <a16:creationId xmlns:a16="http://schemas.microsoft.com/office/drawing/2014/main" id="{3109B6B4-A33C-B50C-6007-8FFF43E13232}"/>
+              </a:ext>
+            </a:extLst>
+          </p:cNvPr>
+          <p:cNvSpPr/>
+          <p:nvPr/>
+        </p:nvSpPr>
+        <p:spPr>
+          <a:xfrm>
+            <a:off x="-662538" y="2618596"/>
+            <a:ext cx="914400" cy="965145"/>
+          </a:xfrm>
+          <a:prstGeom prst="lightningBolt">
+            <a:avLst/>
+          </a:prstGeom>
+        </p:spPr>
+        <p:style>
+          <a:lnRef idx="2">
+            <a:schemeClr val="accent1">
+              <a:shade val="50000"/>
+            </a:schemeClr>
+          </a:lnRef>
+          <a:fillRef idx="1">
+            <a:schemeClr val="accent1"/>
+          </a:fillRef>
+          <a:effectRef idx="0">
+            <a:schemeClr val="accent1"/>
+          </a:effectRef>
+          <a:fontRef idx="minor">
+            <a:schemeClr val="lt1"/>
+          </a:fontRef>
+        </p:style>
+        <p:txBody>
+          <a:bodyPr rtlCol="0" anchor="ctr"/>
+          <a:lstStyle/>
+          <a:p>
+            <a:pPr algn="ctr"/>
+            <a:endParaRPr lang="fr-FR"/>
+          </a:p>
+        </p:txBody>
+      </p:sp>
+      <p:sp>
+        <p:nvSpPr>
+          <p:cNvPr id="42" name="Rectangle : coins arrondis 41">
+            <a:extLst>
+              <a:ext uri="{FF2B5EF4-FFF2-40B4-BE49-F238E27FC236}">
+                <a16:creationId xmlns:a16="http://schemas.microsoft.com/office/drawing/2014/main" id="{D0F7D71D-9CD1-D1D8-65B9-673B8AE4E6DE}"/>
+              </a:ext>
+            </a:extLst>
+          </p:cNvPr>
+          <p:cNvSpPr/>
+          <p:nvPr/>
+        </p:nvSpPr>
+        <p:spPr>
+          <a:xfrm>
+            <a:off x="1135779" y="5210505"/>
+            <a:ext cx="10716852" cy="606392"/>
+          </a:xfrm>
+          <a:prstGeom prst="roundRect">
+            <a:avLst/>
+          </a:prstGeom>
+        </p:spPr>
+        <p:style>
+          <a:lnRef idx="2">
+            <a:schemeClr val="accent4"/>
+          </a:lnRef>
+          <a:fillRef idx="1">
+            <a:schemeClr val="lt1"/>
+          </a:fillRef>
+          <a:effectRef idx="0">
+            <a:schemeClr val="accent4"/>
+          </a:effectRef>
+          <a:fontRef idx="minor">
+            <a:schemeClr val="dk1"/>
+          </a:fontRef>
+        </p:style>
+        <p:txBody>
+          <a:bodyPr rtlCol="0" anchor="ctr"/>
+          <a:lstStyle/>
+          <a:p>
+            <a:pPr algn="ctr"/>
+            <a:r>
+              <a:rPr lang="fr-FR" dirty="0"/>
+              <a:t>Présentation (2 groupes sur 7)</a:t>
+            </a:r>
+          </a:p>
+        </p:txBody>
+      </p:sp>
+      <p:sp>
+        <p:nvSpPr>
+          <p:cNvPr id="43" name="Rectangle 42">
+            <a:extLst>
+              <a:ext uri="{FF2B5EF4-FFF2-40B4-BE49-F238E27FC236}">
+                <a16:creationId xmlns:a16="http://schemas.microsoft.com/office/drawing/2014/main" id="{E78547B0-35B1-996D-E727-5E68A5547CBF}"/>
+              </a:ext>
+            </a:extLst>
+          </p:cNvPr>
+          <p:cNvSpPr/>
+          <p:nvPr/>
+        </p:nvSpPr>
+        <p:spPr>
+          <a:xfrm>
+            <a:off x="-2" y="5350071"/>
+            <a:ext cx="1135781" cy="327259"/>
+          </a:xfrm>
+          <a:prstGeom prst="rect">
+            <a:avLst/>
+          </a:prstGeom>
+        </p:spPr>
+        <p:style>
+          <a:lnRef idx="2">
+            <a:schemeClr val="accent4">
+              <a:shade val="50000"/>
+            </a:schemeClr>
+          </a:lnRef>
+          <a:fillRef idx="1">
+            <a:schemeClr val="accent4"/>
+          </a:fillRef>
+          <a:effectRef idx="0">
+            <a:schemeClr val="accent4"/>
+          </a:effectRef>
+          <a:fontRef idx="minor">
+            <a:schemeClr val="lt1"/>
+          </a:fontRef>
+        </p:style>
+        <p:txBody>
+          <a:bodyPr rtlCol="0" anchor="ctr"/>
+          <a:lstStyle/>
+          <a:p>
+            <a:pPr algn="ctr"/>
+            <a:r>
+              <a:rPr lang="fr-FR" dirty="0"/>
+              <a:t>20 min</a:t>
+            </a:r>
+          </a:p>
+        </p:txBody>
+      </p:sp>
+      <p:sp>
+        <p:nvSpPr>
+          <p:cNvPr id="44" name="Rectangle : coins arrondis 43">
+            <a:extLst>
+              <a:ext uri="{FF2B5EF4-FFF2-40B4-BE49-F238E27FC236}">
+                <a16:creationId xmlns:a16="http://schemas.microsoft.com/office/drawing/2014/main" id="{89C5AB2E-B531-4853-EAD8-ACF06511CE37}"/>
+              </a:ext>
+            </a:extLst>
+          </p:cNvPr>
+          <p:cNvSpPr/>
+          <p:nvPr/>
+        </p:nvSpPr>
+        <p:spPr>
+          <a:xfrm>
+            <a:off x="1135781" y="5767701"/>
+            <a:ext cx="10716852" cy="606392"/>
+          </a:xfrm>
+          <a:prstGeom prst="roundRect">
+            <a:avLst/>
+          </a:prstGeom>
+        </p:spPr>
+        <p:style>
+          <a:lnRef idx="2">
+            <a:schemeClr val="accent4"/>
+          </a:lnRef>
+          <a:fillRef idx="1">
+            <a:schemeClr val="lt1"/>
+          </a:fillRef>
+          <a:effectRef idx="0">
+            <a:schemeClr val="accent4"/>
+          </a:effectRef>
+          <a:fontRef idx="minor">
+            <a:schemeClr val="dk1"/>
+          </a:fontRef>
+        </p:style>
+        <p:txBody>
+          <a:bodyPr rtlCol="0" anchor="ctr"/>
+          <a:lstStyle/>
+          <a:p>
+            <a:pPr algn="ctr"/>
+            <a:r>
+              <a:rPr lang="fr-FR" dirty="0"/>
+              <a:t>Synthèse Prof</a:t>
+            </a:r>
+          </a:p>
+        </p:txBody>
+      </p:sp>
+      <p:sp>
+        <p:nvSpPr>
+          <p:cNvPr id="45" name="Rectangle 44">
+            <a:extLst>
+              <a:ext uri="{FF2B5EF4-FFF2-40B4-BE49-F238E27FC236}">
+                <a16:creationId xmlns:a16="http://schemas.microsoft.com/office/drawing/2014/main" id="{A4BD3E71-59ED-CA4D-C66D-DCAEB7E4DC31}"/>
+              </a:ext>
+            </a:extLst>
+          </p:cNvPr>
+          <p:cNvSpPr/>
+          <p:nvPr/>
+        </p:nvSpPr>
+        <p:spPr>
+          <a:xfrm>
+            <a:off x="0" y="5907267"/>
+            <a:ext cx="1135781" cy="327259"/>
+          </a:xfrm>
+          <a:prstGeom prst="rect">
+            <a:avLst/>
+          </a:prstGeom>
+        </p:spPr>
+        <p:style>
+          <a:lnRef idx="2">
+            <a:schemeClr val="accent4">
+              <a:shade val="50000"/>
+            </a:schemeClr>
+          </a:lnRef>
+          <a:fillRef idx="1">
+            <a:schemeClr val="accent4"/>
+          </a:fillRef>
+          <a:effectRef idx="0">
+            <a:schemeClr val="accent4"/>
+          </a:effectRef>
+          <a:fontRef idx="minor">
+            <a:schemeClr val="lt1"/>
+          </a:fontRef>
+        </p:style>
+        <p:txBody>
+          <a:bodyPr rtlCol="0" anchor="ctr"/>
+          <a:lstStyle/>
+          <a:p>
+            <a:pPr algn="ctr"/>
+            <a:r>
+              <a:rPr lang="fr-FR" dirty="0"/>
+              <a:t>10 min</a:t>
             </a:r>
           </a:p>
         </p:txBody>
@@ -14110,6 +14656,931 @@
     <p:extLst>
       <p:ext uri="{BB962C8B-B14F-4D97-AF65-F5344CB8AC3E}">
         <p14:creationId xmlns:p14="http://schemas.microsoft.com/office/powerpoint/2010/main" val="1146932484"/>
+      </p:ext>
+    </p:extLst>
+  </p:cSld>
+  <p:clrMapOvr>
+    <a:masterClrMapping/>
+  </p:clrMapOvr>
+</p:sld>
+</file>
+
+<file path=ppt/slides/slide18.xml><?xml version="1.0" encoding="utf-8"?>
+<p:sld xmlns:a="http://schemas.openxmlformats.org/drawingml/2006/main" xmlns:r="http://schemas.openxmlformats.org/officeDocument/2006/relationships" xmlns:p="http://schemas.openxmlformats.org/presentationml/2006/main">
+  <p:cSld>
+    <p:spTree>
+      <p:nvGrpSpPr>
+        <p:cNvPr id="1" name=""/>
+        <p:cNvGrpSpPr/>
+        <p:nvPr/>
+      </p:nvGrpSpPr>
+      <p:grpSpPr>
+        <a:xfrm>
+          <a:off x="0" y="0"/>
+          <a:ext cx="0" cy="0"/>
+          <a:chOff x="0" y="0"/>
+          <a:chExt cx="0" cy="0"/>
+        </a:xfrm>
+      </p:grpSpPr>
+      <p:sp>
+        <p:nvSpPr>
+          <p:cNvPr id="2" name="Titre 1">
+            <a:extLst>
+              <a:ext uri="{FF2B5EF4-FFF2-40B4-BE49-F238E27FC236}">
+                <a16:creationId xmlns:a16="http://schemas.microsoft.com/office/drawing/2014/main" id="{39E23070-38DE-0C1F-E8A4-788B03AC2B6A}"/>
+              </a:ext>
+            </a:extLst>
+          </p:cNvPr>
+          <p:cNvSpPr>
+            <a:spLocks noGrp="1"/>
+          </p:cNvSpPr>
+          <p:nvPr>
+            <p:ph type="title"/>
+          </p:nvPr>
+        </p:nvSpPr>
+        <p:spPr/>
+        <p:txBody>
+          <a:bodyPr>
+            <a:noAutofit/>
+          </a:bodyPr>
+          <a:lstStyle/>
+          <a:p>
+            <a:r>
+              <a:rPr lang="fr-FR" sz="3200" dirty="0"/>
+              <a:t>Séance de TP 1 : Analyser l’effet d’un correcteur P</a:t>
+            </a:r>
+            <a:br>
+              <a:rPr lang="fr-FR" sz="3200" dirty="0"/>
+            </a:br>
+            <a:r>
+              <a:rPr lang="fr-FR" sz="3200" dirty="0"/>
+              <a:t>Travail de l’expérimentateur</a:t>
+            </a:r>
+          </a:p>
+        </p:txBody>
+      </p:sp>
+      <p:sp>
+        <p:nvSpPr>
+          <p:cNvPr id="3" name="Espace réservé du contenu 2">
+            <a:extLst>
+              <a:ext uri="{FF2B5EF4-FFF2-40B4-BE49-F238E27FC236}">
+                <a16:creationId xmlns:a16="http://schemas.microsoft.com/office/drawing/2014/main" id="{5893AF22-9AAF-78AE-7B66-F5095DFB56D2}"/>
+              </a:ext>
+            </a:extLst>
+          </p:cNvPr>
+          <p:cNvSpPr>
+            <a:spLocks noGrp="1"/>
+          </p:cNvSpPr>
+          <p:nvPr>
+            <p:ph idx="1"/>
+          </p:nvPr>
+        </p:nvSpPr>
+        <p:spPr>
+          <a:xfrm>
+            <a:off x="339365" y="954541"/>
+            <a:ext cx="5756635" cy="5220013"/>
+          </a:xfrm>
+        </p:spPr>
+        <p:txBody>
+          <a:bodyPr>
+            <a:normAutofit fontScale="70000" lnSpcReduction="20000"/>
+          </a:bodyPr>
+          <a:lstStyle/>
+          <a:p>
+            <a:r>
+              <a:rPr lang="fr-FR" dirty="0"/>
+              <a:t>Activité 1 </a:t>
+            </a:r>
+          </a:p>
+          <a:p>
+            <a:pPr lvl="1"/>
+            <a:r>
+              <a:rPr lang="fr-FR" dirty="0"/>
+              <a:t>Découvrir le système</a:t>
+            </a:r>
+          </a:p>
+          <a:p>
+            <a:pPr lvl="1"/>
+            <a:r>
+              <a:rPr lang="fr-FR" dirty="0"/>
+              <a:t>Mettre en œuvre le système</a:t>
+            </a:r>
+          </a:p>
+          <a:p>
+            <a:pPr lvl="2">
+              <a:buFont typeface="Wingdings" panose="05000000000000000000" pitchFamily="2" charset="2"/>
+              <a:buChar char="Ü"/>
+            </a:pPr>
+            <a:r>
+              <a:rPr lang="fr-FR" dirty="0"/>
+              <a:t>Réaliser la chaîne fonctionnelle</a:t>
+            </a:r>
+          </a:p>
+          <a:p>
+            <a:pPr lvl="2">
+              <a:buFont typeface="Wingdings" panose="05000000000000000000" pitchFamily="2" charset="2"/>
+              <a:buChar char="Ü"/>
+            </a:pPr>
+            <a:r>
+              <a:rPr lang="fr-FR" dirty="0"/>
+              <a:t>Réaliser un essai préliminaire</a:t>
+            </a:r>
+          </a:p>
+          <a:p>
+            <a:r>
+              <a:rPr lang="fr-FR" dirty="0"/>
+              <a:t>Activité 2 : </a:t>
+            </a:r>
+          </a:p>
+          <a:p>
+            <a:pPr lvl="1"/>
+            <a:r>
+              <a:rPr lang="fr-FR" dirty="0"/>
+              <a:t>Comparer les performances du systèmes (réel) avec les exigences du cahier des charges</a:t>
+            </a:r>
+          </a:p>
+          <a:p>
+            <a:pPr lvl="1"/>
+            <a:r>
+              <a:rPr lang="fr-FR" dirty="0"/>
+              <a:t>Lister les sources d’écart/erreurs. </a:t>
+            </a:r>
+          </a:p>
+          <a:p>
+            <a:pPr lvl="2">
+              <a:buFont typeface="Wingdings" panose="05000000000000000000" pitchFamily="2" charset="2"/>
+              <a:buChar char=""/>
+            </a:pPr>
+            <a:r>
+              <a:rPr lang="fr-FR" dirty="0"/>
+              <a:t>Diagramme des écarts</a:t>
+            </a:r>
+          </a:p>
+          <a:p>
+            <a:r>
+              <a:rPr lang="fr-FR" dirty="0"/>
+              <a:t>Synthèse 1</a:t>
+            </a:r>
+          </a:p>
+          <a:p>
+            <a:r>
+              <a:rPr lang="fr-FR" dirty="0"/>
+              <a:t>Activité 3 : </a:t>
+            </a:r>
+          </a:p>
+          <a:p>
+            <a:pPr lvl="1"/>
+            <a:r>
+              <a:rPr lang="fr-FR" dirty="0"/>
+              <a:t>Réaliser un échelon de 20 mm</a:t>
+            </a:r>
+          </a:p>
+          <a:p>
+            <a:pPr lvl="1"/>
+            <a:r>
+              <a:rPr lang="fr-FR" dirty="0"/>
+              <a:t>Faire varier le gain du correcteur proportionnel {0.5, 1, 2, 5}</a:t>
+            </a:r>
+          </a:p>
+          <a:p>
+            <a:pPr lvl="2">
+              <a:buFont typeface="Wingdings" panose="05000000000000000000" pitchFamily="2" charset="2"/>
+              <a:buChar char=""/>
+            </a:pPr>
+            <a:r>
+              <a:rPr lang="fr-FR" dirty="0"/>
+              <a:t>Donner les performances du système en fonction du gain du correcteur proportionnel</a:t>
+            </a:r>
+          </a:p>
+          <a:p>
+            <a:pPr lvl="2">
+              <a:buFont typeface="Wingdings" panose="05000000000000000000" pitchFamily="2" charset="2"/>
+              <a:buChar char=""/>
+            </a:pPr>
+            <a:r>
+              <a:rPr lang="fr-FR" dirty="0"/>
+              <a:t>Donner l’influence du correcteur sur les performances</a:t>
+            </a:r>
+          </a:p>
+          <a:p>
+            <a:r>
+              <a:rPr lang="fr-FR" dirty="0"/>
+              <a:t>Synthèse 2</a:t>
+            </a:r>
+          </a:p>
+          <a:p>
+            <a:r>
+              <a:rPr lang="fr-FR" dirty="0"/>
+              <a:t>Activité 4 : </a:t>
+            </a:r>
+          </a:p>
+          <a:p>
+            <a:pPr lvl="1"/>
+            <a:r>
+              <a:rPr lang="fr-FR" dirty="0"/>
+              <a:t>Proposer une méthode permettant de régler la marge de phase</a:t>
+            </a:r>
+          </a:p>
+          <a:p>
+            <a:pPr lvl="1"/>
+            <a:r>
+              <a:rPr lang="fr-FR" dirty="0"/>
+              <a:t>Mettre en œuvre cette méthode sur le système</a:t>
+            </a:r>
+          </a:p>
+          <a:p>
+            <a:r>
+              <a:rPr lang="fr-FR" dirty="0"/>
+              <a:t>Synthèse finale</a:t>
+            </a:r>
+          </a:p>
+          <a:p>
+            <a:pPr>
+              <a:buFont typeface="Wingdings" panose="05000000000000000000" pitchFamily="2" charset="2"/>
+              <a:buChar char=""/>
+            </a:pPr>
+            <a:endParaRPr lang="fr-FR" dirty="0"/>
+          </a:p>
+          <a:p>
+            <a:pPr lvl="2">
+              <a:buFont typeface="Wingdings" panose="05000000000000000000" pitchFamily="2" charset="2"/>
+              <a:buChar char=""/>
+            </a:pPr>
+            <a:endParaRPr lang="fr-FR" dirty="0"/>
+          </a:p>
+          <a:p>
+            <a:pPr lvl="2">
+              <a:buFont typeface="Wingdings" panose="05000000000000000000" pitchFamily="2" charset="2"/>
+              <a:buChar char=""/>
+            </a:pPr>
+            <a:endParaRPr lang="fr-FR" dirty="0"/>
+          </a:p>
+          <a:p>
+            <a:pPr lvl="2"/>
+            <a:endParaRPr lang="fr-FR" dirty="0"/>
+          </a:p>
+        </p:txBody>
+      </p:sp>
+      <p:sp>
+        <p:nvSpPr>
+          <p:cNvPr id="4" name="Espace réservé du pied de page 3">
+            <a:extLst>
+              <a:ext uri="{FF2B5EF4-FFF2-40B4-BE49-F238E27FC236}">
+                <a16:creationId xmlns:a16="http://schemas.microsoft.com/office/drawing/2014/main" id="{A645EFE1-665D-6450-EEC7-8AC949A4701D}"/>
+              </a:ext>
+            </a:extLst>
+          </p:cNvPr>
+          <p:cNvSpPr>
+            <a:spLocks noGrp="1"/>
+          </p:cNvSpPr>
+          <p:nvPr>
+            <p:ph type="ftr" sz="quarter" idx="11"/>
+          </p:nvPr>
+        </p:nvSpPr>
+        <p:spPr/>
+        <p:txBody>
+          <a:bodyPr/>
+          <a:lstStyle/>
+          <a:p>
+            <a:r>
+              <a:rPr lang="fr-FR"/>
+              <a:t>Xavier Pessoles</a:t>
+            </a:r>
+          </a:p>
+        </p:txBody>
+      </p:sp>
+      <p:sp>
+        <p:nvSpPr>
+          <p:cNvPr id="5" name="Espace réservé du numéro de diapositive 4">
+            <a:extLst>
+              <a:ext uri="{FF2B5EF4-FFF2-40B4-BE49-F238E27FC236}">
+                <a16:creationId xmlns:a16="http://schemas.microsoft.com/office/drawing/2014/main" id="{BD5F46AB-4FF1-94F5-7EA0-D57E2EE562FE}"/>
+              </a:ext>
+            </a:extLst>
+          </p:cNvPr>
+          <p:cNvSpPr>
+            <a:spLocks noGrp="1"/>
+          </p:cNvSpPr>
+          <p:nvPr>
+            <p:ph type="sldNum" sz="quarter" idx="12"/>
+          </p:nvPr>
+        </p:nvSpPr>
+        <p:spPr/>
+        <p:txBody>
+          <a:bodyPr/>
+          <a:lstStyle/>
+          <a:p>
+            <a:fld id="{956FD943-6D90-4B00-A69F-9AB9CE3206A3}" type="slidenum">
+              <a:rPr lang="fr-FR" smtClean="0"/>
+              <a:t>18</a:t>
+            </a:fld>
+            <a:endParaRPr lang="fr-FR"/>
+          </a:p>
+        </p:txBody>
+      </p:sp>
+      <p:sp>
+        <p:nvSpPr>
+          <p:cNvPr id="6" name="Rectangle 5">
+            <a:extLst>
+              <a:ext uri="{FF2B5EF4-FFF2-40B4-BE49-F238E27FC236}">
+                <a16:creationId xmlns:a16="http://schemas.microsoft.com/office/drawing/2014/main" id="{C6791347-91B0-9269-EB26-98DC7881866A}"/>
+              </a:ext>
+            </a:extLst>
+          </p:cNvPr>
+          <p:cNvSpPr/>
+          <p:nvPr/>
+        </p:nvSpPr>
+        <p:spPr>
+          <a:xfrm>
+            <a:off x="339365" y="3429000"/>
+            <a:ext cx="5756635" cy="1191126"/>
+          </a:xfrm>
+          <a:prstGeom prst="rect">
+            <a:avLst/>
+          </a:prstGeom>
+          <a:noFill/>
+          <a:ln w="38100">
+            <a:prstDash val="sysDot"/>
+          </a:ln>
+        </p:spPr>
+        <p:style>
+          <a:lnRef idx="2">
+            <a:schemeClr val="accent1">
+              <a:shade val="50000"/>
+            </a:schemeClr>
+          </a:lnRef>
+          <a:fillRef idx="1">
+            <a:schemeClr val="accent1"/>
+          </a:fillRef>
+          <a:effectRef idx="0">
+            <a:schemeClr val="accent1"/>
+          </a:effectRef>
+          <a:fontRef idx="minor">
+            <a:schemeClr val="lt1"/>
+          </a:fontRef>
+        </p:style>
+        <p:txBody>
+          <a:bodyPr rtlCol="0" anchor="ctr"/>
+          <a:lstStyle/>
+          <a:p>
+            <a:pPr algn="ctr"/>
+            <a:endParaRPr lang="fr-FR"/>
+          </a:p>
+        </p:txBody>
+      </p:sp>
+      <p:sp>
+        <p:nvSpPr>
+          <p:cNvPr id="7" name="Éclair 6">
+            <a:extLst>
+              <a:ext uri="{FF2B5EF4-FFF2-40B4-BE49-F238E27FC236}">
+                <a16:creationId xmlns:a16="http://schemas.microsoft.com/office/drawing/2014/main" id="{2BDA9F0D-34DA-BFFD-1BCD-A1827F7B0A67}"/>
+              </a:ext>
+            </a:extLst>
+          </p:cNvPr>
+          <p:cNvSpPr/>
+          <p:nvPr/>
+        </p:nvSpPr>
+        <p:spPr>
+          <a:xfrm rot="18282426">
+            <a:off x="6557285" y="3597049"/>
+            <a:ext cx="914400" cy="965145"/>
+          </a:xfrm>
+          <a:prstGeom prst="lightningBolt">
+            <a:avLst/>
+          </a:prstGeom>
+        </p:spPr>
+        <p:style>
+          <a:lnRef idx="2">
+            <a:schemeClr val="accent1">
+              <a:shade val="50000"/>
+            </a:schemeClr>
+          </a:lnRef>
+          <a:fillRef idx="1">
+            <a:schemeClr val="accent1"/>
+          </a:fillRef>
+          <a:effectRef idx="0">
+            <a:schemeClr val="accent1"/>
+          </a:effectRef>
+          <a:fontRef idx="minor">
+            <a:schemeClr val="lt1"/>
+          </a:fontRef>
+        </p:style>
+        <p:txBody>
+          <a:bodyPr rtlCol="0" anchor="ctr"/>
+          <a:lstStyle/>
+          <a:p>
+            <a:pPr algn="ctr"/>
+            <a:endParaRPr lang="fr-FR"/>
+          </a:p>
+        </p:txBody>
+      </p:sp>
+      <p:sp>
+        <p:nvSpPr>
+          <p:cNvPr id="8" name="ZoneTexte 7">
+            <a:extLst>
+              <a:ext uri="{FF2B5EF4-FFF2-40B4-BE49-F238E27FC236}">
+                <a16:creationId xmlns:a16="http://schemas.microsoft.com/office/drawing/2014/main" id="{8DE8414A-8F0D-94CC-E7A4-7970E714AAC4}"/>
+              </a:ext>
+            </a:extLst>
+          </p:cNvPr>
+          <p:cNvSpPr txBox="1"/>
+          <p:nvPr/>
+        </p:nvSpPr>
+        <p:spPr>
+          <a:xfrm>
+            <a:off x="7854215" y="2921691"/>
+            <a:ext cx="4100362" cy="2031325"/>
+          </a:xfrm>
+          <a:prstGeom prst="rect">
+            <a:avLst/>
+          </a:prstGeom>
+          <a:noFill/>
+        </p:spPr>
+        <p:txBody>
+          <a:bodyPr wrap="square" rtlCol="0">
+            <a:spAutoFit/>
+          </a:bodyPr>
+          <a:lstStyle/>
+          <a:p>
+            <a:r>
+              <a:rPr lang="fr-FR" dirty="0"/>
+              <a:t>Ajouter une perturbation au système</a:t>
+            </a:r>
+          </a:p>
+          <a:p>
+            <a:pPr marL="285750" indent="-285750">
+              <a:buFont typeface="Arial" panose="020B0604020202020204" pitchFamily="34" charset="0"/>
+              <a:buChar char="•"/>
+            </a:pPr>
+            <a:r>
+              <a:rPr lang="fr-FR" dirty="0"/>
+              <a:t>Ajouter un effort résistant en régime permanent</a:t>
+            </a:r>
+          </a:p>
+          <a:p>
+            <a:pPr marL="285750" indent="-285750">
+              <a:buFont typeface="Arial" panose="020B0604020202020204" pitchFamily="34" charset="0"/>
+              <a:buChar char="•"/>
+            </a:pPr>
+            <a:r>
+              <a:rPr lang="fr-FR" dirty="0"/>
+              <a:t>Surélever une partie pour ajouter l’effet de la pesanteur</a:t>
+            </a:r>
+          </a:p>
+          <a:p>
+            <a:pPr marL="285750" indent="-285750">
+              <a:buFont typeface="Arial" panose="020B0604020202020204" pitchFamily="34" charset="0"/>
+              <a:buChar char="•"/>
+            </a:pPr>
+            <a:r>
+              <a:rPr lang="fr-FR" dirty="0"/>
+              <a:t>Ajouter un effort extérieur en utilisant un ressort…</a:t>
+            </a:r>
+          </a:p>
+        </p:txBody>
+      </p:sp>
+    </p:spTree>
+    <p:extLst>
+      <p:ext uri="{BB962C8B-B14F-4D97-AF65-F5344CB8AC3E}">
+        <p14:creationId xmlns:p14="http://schemas.microsoft.com/office/powerpoint/2010/main" val="417488783"/>
+      </p:ext>
+    </p:extLst>
+  </p:cSld>
+  <p:clrMapOvr>
+    <a:masterClrMapping/>
+  </p:clrMapOvr>
+</p:sld>
+</file>
+
+<file path=ppt/slides/slide19.xml><?xml version="1.0" encoding="utf-8"?>
+<p:sld xmlns:a="http://schemas.openxmlformats.org/drawingml/2006/main" xmlns:r="http://schemas.openxmlformats.org/officeDocument/2006/relationships" xmlns:p="http://schemas.openxmlformats.org/presentationml/2006/main">
+  <p:cSld>
+    <p:spTree>
+      <p:nvGrpSpPr>
+        <p:cNvPr id="1" name=""/>
+        <p:cNvGrpSpPr/>
+        <p:nvPr/>
+      </p:nvGrpSpPr>
+      <p:grpSpPr>
+        <a:xfrm>
+          <a:off x="0" y="0"/>
+          <a:ext cx="0" cy="0"/>
+          <a:chOff x="0" y="0"/>
+          <a:chExt cx="0" cy="0"/>
+        </a:xfrm>
+      </p:grpSpPr>
+      <p:sp>
+        <p:nvSpPr>
+          <p:cNvPr id="2" name="Titre 1">
+            <a:extLst>
+              <a:ext uri="{FF2B5EF4-FFF2-40B4-BE49-F238E27FC236}">
+                <a16:creationId xmlns:a16="http://schemas.microsoft.com/office/drawing/2014/main" id="{B5030161-A86C-7875-7947-92AF7F3EAC87}"/>
+              </a:ext>
+            </a:extLst>
+          </p:cNvPr>
+          <p:cNvSpPr>
+            <a:spLocks noGrp="1"/>
+          </p:cNvSpPr>
+          <p:nvPr>
+            <p:ph type="title"/>
+          </p:nvPr>
+        </p:nvSpPr>
+        <p:spPr/>
+        <p:txBody>
+          <a:bodyPr>
+            <a:noAutofit/>
+          </a:bodyPr>
+          <a:lstStyle/>
+          <a:p>
+            <a:r>
+              <a:rPr lang="fr-FR" sz="2800" dirty="0"/>
+              <a:t>Séance de TP 1 : Analyser l’effet d’un correcteur P</a:t>
+            </a:r>
+            <a:br>
+              <a:rPr lang="fr-FR" sz="2800" dirty="0"/>
+            </a:br>
+            <a:r>
+              <a:rPr lang="fr-FR" sz="2800" dirty="0"/>
+              <a:t>Travail attendu de la part du groupe</a:t>
+            </a:r>
+          </a:p>
+        </p:txBody>
+      </p:sp>
+      <p:sp>
+        <p:nvSpPr>
+          <p:cNvPr id="3" name="Espace réservé du contenu 2">
+            <a:extLst>
+              <a:ext uri="{FF2B5EF4-FFF2-40B4-BE49-F238E27FC236}">
+                <a16:creationId xmlns:a16="http://schemas.microsoft.com/office/drawing/2014/main" id="{C5F7C524-05AA-F273-5985-10F9A0E9F9A9}"/>
+              </a:ext>
+            </a:extLst>
+          </p:cNvPr>
+          <p:cNvSpPr>
+            <a:spLocks noGrp="1"/>
+          </p:cNvSpPr>
+          <p:nvPr>
+            <p:ph idx="1"/>
+          </p:nvPr>
+        </p:nvSpPr>
+        <p:spPr/>
+        <p:txBody>
+          <a:bodyPr/>
+          <a:lstStyle/>
+          <a:p>
+            <a:r>
+              <a:rPr lang="fr-FR" dirty="0"/>
+              <a:t>Préparation d’une présentation PowerPoint &gt;&gt; Attention à conserver du temps pour la présentation lors de votre séquence</a:t>
+            </a:r>
+          </a:p>
+          <a:p>
+            <a:pPr lvl="1"/>
+            <a:r>
+              <a:rPr lang="fr-FR" dirty="0"/>
+              <a:t>Chaine fonctionnelle</a:t>
+            </a:r>
+          </a:p>
+          <a:p>
+            <a:pPr lvl="1"/>
+            <a:r>
+              <a:rPr lang="fr-FR" dirty="0"/>
+              <a:t>Graphe avec les Courbes</a:t>
+            </a:r>
+          </a:p>
+          <a:p>
+            <a:pPr lvl="2"/>
+            <a:r>
+              <a:rPr lang="fr-FR" dirty="0"/>
+              <a:t>Modélisateur analytique</a:t>
+            </a:r>
+          </a:p>
+          <a:p>
+            <a:pPr lvl="2"/>
+            <a:r>
+              <a:rPr lang="fr-FR" dirty="0"/>
+              <a:t>Modélisation numérique</a:t>
+            </a:r>
+          </a:p>
+          <a:p>
+            <a:pPr lvl="2"/>
+            <a:r>
+              <a:rPr lang="fr-FR" dirty="0"/>
+              <a:t>Expérimentateur</a:t>
+            </a:r>
+          </a:p>
+          <a:p>
+            <a:pPr lvl="2"/>
+            <a:endParaRPr lang="fr-FR" dirty="0"/>
+          </a:p>
+          <a:p>
+            <a:pPr lvl="1"/>
+            <a:r>
+              <a:rPr lang="fr-FR" dirty="0"/>
+              <a:t>Influence de </a:t>
+            </a:r>
+            <a:r>
+              <a:rPr lang="fr-FR" dirty="0" err="1"/>
+              <a:t>Kp</a:t>
+            </a:r>
+            <a:endParaRPr lang="fr-FR" dirty="0"/>
+          </a:p>
+          <a:p>
+            <a:pPr lvl="2"/>
+            <a:r>
+              <a:rPr lang="fr-FR" dirty="0"/>
+              <a:t>Graphe du modélisateur analytique avec 3 valeurs de </a:t>
+            </a:r>
+            <a:r>
+              <a:rPr lang="fr-FR" dirty="0" err="1"/>
+              <a:t>Kp</a:t>
+            </a:r>
+            <a:endParaRPr lang="fr-FR" dirty="0"/>
+          </a:p>
+          <a:p>
+            <a:pPr lvl="2"/>
+            <a:r>
+              <a:rPr lang="fr-FR" dirty="0"/>
+              <a:t>Graphe du modélisateur numérique avec 3 valeurs de </a:t>
+            </a:r>
+            <a:r>
+              <a:rPr lang="fr-FR" dirty="0" err="1"/>
+              <a:t>Kp</a:t>
+            </a:r>
+            <a:endParaRPr lang="fr-FR" dirty="0"/>
+          </a:p>
+          <a:p>
+            <a:pPr lvl="2"/>
+            <a:r>
+              <a:rPr lang="fr-FR" dirty="0"/>
+              <a:t>Graphe de l’expérimentateur</a:t>
+            </a:r>
+          </a:p>
+          <a:p>
+            <a:pPr lvl="1"/>
+            <a:endParaRPr lang="fr-FR" dirty="0"/>
+          </a:p>
+          <a:p>
+            <a:pPr lvl="1"/>
+            <a:endParaRPr lang="fr-FR" dirty="0"/>
+          </a:p>
+          <a:p>
+            <a:pPr lvl="1"/>
+            <a:r>
+              <a:rPr lang="fr-FR" dirty="0"/>
+              <a:t>Proposer une méthode pour régler </a:t>
+            </a:r>
+            <a:r>
+              <a:rPr lang="fr-FR" dirty="0" err="1"/>
+              <a:t>Kp</a:t>
+            </a:r>
+            <a:r>
+              <a:rPr lang="fr-FR" dirty="0"/>
+              <a:t> (critère de marge de phase)</a:t>
+            </a:r>
+          </a:p>
+          <a:p>
+            <a:pPr lvl="1"/>
+            <a:endParaRPr lang="fr-FR" dirty="0"/>
+          </a:p>
+        </p:txBody>
+      </p:sp>
+      <p:sp>
+        <p:nvSpPr>
+          <p:cNvPr id="4" name="Espace réservé du pied de page 3">
+            <a:extLst>
+              <a:ext uri="{FF2B5EF4-FFF2-40B4-BE49-F238E27FC236}">
+                <a16:creationId xmlns:a16="http://schemas.microsoft.com/office/drawing/2014/main" id="{BFA3E7F2-227C-57C6-B2F5-AE245A0225B1}"/>
+              </a:ext>
+            </a:extLst>
+          </p:cNvPr>
+          <p:cNvSpPr>
+            <a:spLocks noGrp="1"/>
+          </p:cNvSpPr>
+          <p:nvPr>
+            <p:ph type="ftr" sz="quarter" idx="11"/>
+          </p:nvPr>
+        </p:nvSpPr>
+        <p:spPr/>
+        <p:txBody>
+          <a:bodyPr/>
+          <a:lstStyle/>
+          <a:p>
+            <a:r>
+              <a:rPr lang="fr-FR"/>
+              <a:t>Xavier Pessoles</a:t>
+            </a:r>
+          </a:p>
+        </p:txBody>
+      </p:sp>
+      <p:sp>
+        <p:nvSpPr>
+          <p:cNvPr id="5" name="Espace réservé du numéro de diapositive 4">
+            <a:extLst>
+              <a:ext uri="{FF2B5EF4-FFF2-40B4-BE49-F238E27FC236}">
+                <a16:creationId xmlns:a16="http://schemas.microsoft.com/office/drawing/2014/main" id="{218E23F0-FBBF-7357-38A6-B3F7B100660D}"/>
+              </a:ext>
+            </a:extLst>
+          </p:cNvPr>
+          <p:cNvSpPr>
+            <a:spLocks noGrp="1"/>
+          </p:cNvSpPr>
+          <p:nvPr>
+            <p:ph type="sldNum" sz="quarter" idx="12"/>
+          </p:nvPr>
+        </p:nvSpPr>
+        <p:spPr/>
+        <p:txBody>
+          <a:bodyPr/>
+          <a:lstStyle/>
+          <a:p>
+            <a:fld id="{956FD943-6D90-4B00-A69F-9AB9CE3206A3}" type="slidenum">
+              <a:rPr lang="fr-FR" smtClean="0"/>
+              <a:t>19</a:t>
+            </a:fld>
+            <a:endParaRPr lang="fr-FR"/>
+          </a:p>
+        </p:txBody>
+      </p:sp>
+      <p:sp>
+        <p:nvSpPr>
+          <p:cNvPr id="6" name="Flèche : double flèche verticale 5">
+            <a:extLst>
+              <a:ext uri="{FF2B5EF4-FFF2-40B4-BE49-F238E27FC236}">
+                <a16:creationId xmlns:a16="http://schemas.microsoft.com/office/drawing/2014/main" id="{8D880D08-5D97-E0D6-98EF-7698F1C26CDB}"/>
+              </a:ext>
+            </a:extLst>
+          </p:cNvPr>
+          <p:cNvSpPr/>
+          <p:nvPr/>
+        </p:nvSpPr>
+        <p:spPr>
+          <a:xfrm>
+            <a:off x="3746500" y="2046713"/>
+            <a:ext cx="304800" cy="796463"/>
+          </a:xfrm>
+          <a:prstGeom prst="upDownArrow">
+            <a:avLst/>
+          </a:prstGeom>
+        </p:spPr>
+        <p:style>
+          <a:lnRef idx="2">
+            <a:schemeClr val="accent1">
+              <a:shade val="50000"/>
+            </a:schemeClr>
+          </a:lnRef>
+          <a:fillRef idx="1">
+            <a:schemeClr val="accent1"/>
+          </a:fillRef>
+          <a:effectRef idx="0">
+            <a:schemeClr val="accent1"/>
+          </a:effectRef>
+          <a:fontRef idx="minor">
+            <a:schemeClr val="lt1"/>
+          </a:fontRef>
+        </p:style>
+        <p:txBody>
+          <a:bodyPr rtlCol="0" anchor="ctr"/>
+          <a:lstStyle/>
+          <a:p>
+            <a:pPr algn="ctr"/>
+            <a:endParaRPr lang="fr-FR"/>
+          </a:p>
+        </p:txBody>
+      </p:sp>
+      <p:sp>
+        <p:nvSpPr>
+          <p:cNvPr id="7" name="ZoneTexte 6">
+            <a:extLst>
+              <a:ext uri="{FF2B5EF4-FFF2-40B4-BE49-F238E27FC236}">
+                <a16:creationId xmlns:a16="http://schemas.microsoft.com/office/drawing/2014/main" id="{755581B8-6A50-AE53-EABE-58ADB8C733E9}"/>
+              </a:ext>
+            </a:extLst>
+          </p:cNvPr>
+          <p:cNvSpPr txBox="1"/>
+          <p:nvPr/>
+        </p:nvSpPr>
+        <p:spPr>
+          <a:xfrm>
+            <a:off x="4610100" y="1983279"/>
+            <a:ext cx="4559300" cy="923330"/>
+          </a:xfrm>
+          <a:prstGeom prst="rect">
+            <a:avLst/>
+          </a:prstGeom>
+          <a:noFill/>
+        </p:spPr>
+        <p:txBody>
+          <a:bodyPr wrap="square" rtlCol="0">
+            <a:spAutoFit/>
+          </a:bodyPr>
+          <a:lstStyle/>
+          <a:p>
+            <a:r>
+              <a:rPr lang="fr-FR" dirty="0"/>
+              <a:t>Comparaison des courbes entre elles</a:t>
+            </a:r>
+          </a:p>
+          <a:p>
+            <a:r>
+              <a:rPr lang="fr-FR" dirty="0"/>
+              <a:t>Comparaison avec le CDC</a:t>
+            </a:r>
+          </a:p>
+          <a:p>
+            <a:r>
+              <a:rPr lang="fr-FR" dirty="0"/>
+              <a:t>Origine des écarts</a:t>
+            </a:r>
+          </a:p>
+        </p:txBody>
+      </p:sp>
+      <p:sp>
+        <p:nvSpPr>
+          <p:cNvPr id="8" name="Flèche : double flèche verticale 7">
+            <a:extLst>
+              <a:ext uri="{FF2B5EF4-FFF2-40B4-BE49-F238E27FC236}">
+                <a16:creationId xmlns:a16="http://schemas.microsoft.com/office/drawing/2014/main" id="{3177216C-BD29-DEB8-8845-136CF6585841}"/>
+              </a:ext>
+            </a:extLst>
+          </p:cNvPr>
+          <p:cNvSpPr/>
+          <p:nvPr/>
+        </p:nvSpPr>
+        <p:spPr>
+          <a:xfrm>
+            <a:off x="5791200" y="3429000"/>
+            <a:ext cx="304800" cy="796463"/>
+          </a:xfrm>
+          <a:prstGeom prst="upDownArrow">
+            <a:avLst/>
+          </a:prstGeom>
+        </p:spPr>
+        <p:style>
+          <a:lnRef idx="2">
+            <a:schemeClr val="accent1">
+              <a:shade val="50000"/>
+            </a:schemeClr>
+          </a:lnRef>
+          <a:fillRef idx="1">
+            <a:schemeClr val="accent1"/>
+          </a:fillRef>
+          <a:effectRef idx="0">
+            <a:schemeClr val="accent1"/>
+          </a:effectRef>
+          <a:fontRef idx="minor">
+            <a:schemeClr val="lt1"/>
+          </a:fontRef>
+        </p:style>
+        <p:txBody>
+          <a:bodyPr rtlCol="0" anchor="ctr"/>
+          <a:lstStyle/>
+          <a:p>
+            <a:pPr algn="ctr"/>
+            <a:endParaRPr lang="fr-FR"/>
+          </a:p>
+        </p:txBody>
+      </p:sp>
+      <p:sp>
+        <p:nvSpPr>
+          <p:cNvPr id="9" name="ZoneTexte 8">
+            <a:extLst>
+              <a:ext uri="{FF2B5EF4-FFF2-40B4-BE49-F238E27FC236}">
+                <a16:creationId xmlns:a16="http://schemas.microsoft.com/office/drawing/2014/main" id="{68CD15BF-CA7E-B0DC-19E3-AB76E234A41A}"/>
+              </a:ext>
+            </a:extLst>
+          </p:cNvPr>
+          <p:cNvSpPr txBox="1"/>
+          <p:nvPr/>
+        </p:nvSpPr>
+        <p:spPr>
+          <a:xfrm>
+            <a:off x="6697810" y="3504065"/>
+            <a:ext cx="4559300" cy="646331"/>
+          </a:xfrm>
+          <a:prstGeom prst="rect">
+            <a:avLst/>
+          </a:prstGeom>
+          <a:noFill/>
+        </p:spPr>
+        <p:txBody>
+          <a:bodyPr wrap="square" rtlCol="0">
+            <a:spAutoFit/>
+          </a:bodyPr>
+          <a:lstStyle/>
+          <a:p>
+            <a:r>
+              <a:rPr lang="fr-FR" dirty="0"/>
+              <a:t>Comparaison des tendances</a:t>
+            </a:r>
+          </a:p>
+          <a:p>
+            <a:endParaRPr lang="fr-FR" dirty="0"/>
+          </a:p>
+        </p:txBody>
+      </p:sp>
+    </p:spTree>
+    <p:extLst>
+      <p:ext uri="{BB962C8B-B14F-4D97-AF65-F5344CB8AC3E}">
+        <p14:creationId xmlns:p14="http://schemas.microsoft.com/office/powerpoint/2010/main" val="3818387646"/>
       </p:ext>
     </p:extLst>
   </p:cSld>
@@ -14330,6 +15801,161 @@
     <p:extLst>
       <p:ext uri="{BB962C8B-B14F-4D97-AF65-F5344CB8AC3E}">
         <p14:creationId xmlns:p14="http://schemas.microsoft.com/office/powerpoint/2010/main" val="96216125"/>
+      </p:ext>
+    </p:extLst>
+  </p:cSld>
+  <p:clrMapOvr>
+    <a:masterClrMapping/>
+  </p:clrMapOvr>
+</p:sld>
+</file>
+
+<file path=ppt/slides/slide20.xml><?xml version="1.0" encoding="utf-8"?>
+<p:sld xmlns:a="http://schemas.openxmlformats.org/drawingml/2006/main" xmlns:r="http://schemas.openxmlformats.org/officeDocument/2006/relationships" xmlns:p="http://schemas.openxmlformats.org/presentationml/2006/main">
+  <p:cSld>
+    <p:spTree>
+      <p:nvGrpSpPr>
+        <p:cNvPr id="1" name=""/>
+        <p:cNvGrpSpPr/>
+        <p:nvPr/>
+      </p:nvGrpSpPr>
+      <p:grpSpPr>
+        <a:xfrm>
+          <a:off x="0" y="0"/>
+          <a:ext cx="0" cy="0"/>
+          <a:chOff x="0" y="0"/>
+          <a:chExt cx="0" cy="0"/>
+        </a:xfrm>
+      </p:grpSpPr>
+      <p:sp>
+        <p:nvSpPr>
+          <p:cNvPr id="2" name="Titre 1">
+            <a:extLst>
+              <a:ext uri="{FF2B5EF4-FFF2-40B4-BE49-F238E27FC236}">
+                <a16:creationId xmlns:a16="http://schemas.microsoft.com/office/drawing/2014/main" id="{90C62893-0244-D010-689D-4115A4EF6CA6}"/>
+              </a:ext>
+            </a:extLst>
+          </p:cNvPr>
+          <p:cNvSpPr>
+            <a:spLocks noGrp="1"/>
+          </p:cNvSpPr>
+          <p:nvPr>
+            <p:ph type="title"/>
+          </p:nvPr>
+        </p:nvSpPr>
+        <p:spPr/>
+        <p:txBody>
+          <a:bodyPr/>
+          <a:lstStyle/>
+          <a:p>
+            <a:endParaRPr lang="fr-FR"/>
+          </a:p>
+        </p:txBody>
+      </p:sp>
+      <p:sp>
+        <p:nvSpPr>
+          <p:cNvPr id="3" name="Espace réservé du contenu 2">
+            <a:extLst>
+              <a:ext uri="{FF2B5EF4-FFF2-40B4-BE49-F238E27FC236}">
+                <a16:creationId xmlns:a16="http://schemas.microsoft.com/office/drawing/2014/main" id="{D592A333-76FB-4B54-6F10-33CF7F3A508A}"/>
+              </a:ext>
+            </a:extLst>
+          </p:cNvPr>
+          <p:cNvSpPr>
+            <a:spLocks noGrp="1"/>
+          </p:cNvSpPr>
+          <p:nvPr>
+            <p:ph idx="1"/>
+          </p:nvPr>
+        </p:nvSpPr>
+        <p:spPr/>
+        <p:txBody>
+          <a:bodyPr/>
+          <a:lstStyle/>
+          <a:p>
+            <a:r>
+              <a:rPr lang="fr-FR" dirty="0"/>
+              <a:t>Préciser l’évaluation de la séance de TP</a:t>
+            </a:r>
+          </a:p>
+          <a:p>
+            <a:r>
+              <a:rPr lang="fr-FR" dirty="0"/>
+              <a:t>Répartition des rôles à préciser + mode de rotation des rôles</a:t>
+            </a:r>
+          </a:p>
+          <a:p>
+            <a:r>
+              <a:rPr lang="fr-FR" dirty="0"/>
+              <a:t>Pertinence du support par rapport par rapport à la séquence</a:t>
+            </a:r>
+          </a:p>
+          <a:p>
+            <a:endParaRPr lang="fr-FR" dirty="0"/>
+          </a:p>
+        </p:txBody>
+      </p:sp>
+      <p:sp>
+        <p:nvSpPr>
+          <p:cNvPr id="4" name="Espace réservé du pied de page 3">
+            <a:extLst>
+              <a:ext uri="{FF2B5EF4-FFF2-40B4-BE49-F238E27FC236}">
+                <a16:creationId xmlns:a16="http://schemas.microsoft.com/office/drawing/2014/main" id="{3E6134E2-C4F8-3912-7314-D07E5CC4D710}"/>
+              </a:ext>
+            </a:extLst>
+          </p:cNvPr>
+          <p:cNvSpPr>
+            <a:spLocks noGrp="1"/>
+          </p:cNvSpPr>
+          <p:nvPr>
+            <p:ph type="ftr" sz="quarter" idx="11"/>
+          </p:nvPr>
+        </p:nvSpPr>
+        <p:spPr/>
+        <p:txBody>
+          <a:bodyPr/>
+          <a:lstStyle/>
+          <a:p>
+            <a:r>
+              <a:rPr lang="fr-FR"/>
+              <a:t>Xavier Pessoles</a:t>
+            </a:r>
+          </a:p>
+        </p:txBody>
+      </p:sp>
+      <p:sp>
+        <p:nvSpPr>
+          <p:cNvPr id="5" name="Espace réservé du numéro de diapositive 4">
+            <a:extLst>
+              <a:ext uri="{FF2B5EF4-FFF2-40B4-BE49-F238E27FC236}">
+                <a16:creationId xmlns:a16="http://schemas.microsoft.com/office/drawing/2014/main" id="{1089CAA5-1E26-4CDA-FB43-E87015B3BF24}"/>
+              </a:ext>
+            </a:extLst>
+          </p:cNvPr>
+          <p:cNvSpPr>
+            <a:spLocks noGrp="1"/>
+          </p:cNvSpPr>
+          <p:nvPr>
+            <p:ph type="sldNum" sz="quarter" idx="12"/>
+          </p:nvPr>
+        </p:nvSpPr>
+        <p:spPr/>
+        <p:txBody>
+          <a:bodyPr/>
+          <a:lstStyle/>
+          <a:p>
+            <a:fld id="{956FD943-6D90-4B00-A69F-9AB9CE3206A3}" type="slidenum">
+              <a:rPr lang="fr-FR" smtClean="0"/>
+              <a:t>20</a:t>
+            </a:fld>
+            <a:endParaRPr lang="fr-FR"/>
+          </a:p>
+        </p:txBody>
+      </p:sp>
+    </p:spTree>
+    <p:extLst>
+      <p:ext uri="{BB962C8B-B14F-4D97-AF65-F5344CB8AC3E}">
+        <p14:creationId xmlns:p14="http://schemas.microsoft.com/office/powerpoint/2010/main" val="3931108808"/>
       </p:ext>
     </p:extLst>
   </p:cSld>
